--- a/docs/slides/15-NetNeutrality.pptx
+++ b/docs/slides/15-NetNeutrality.pptx
@@ -213,7 +213,7 @@
           <a:p>
             <a:fld id="{7C411006-DE39-1549-B9B6-51547FF947EB}" type="datetimeFigureOut">
               <a:rPr lang="en-US" smtClean="0"/>
-              <a:t>2/28/22</a:t>
+              <a:t>11/15/23</a:t>
             </a:fld>
             <a:endParaRPr lang="en-US"/>
           </a:p>
@@ -1560,7 +1560,7 @@
           <a:p>
             <a:fld id="{35ECD0B9-2EC5-1A48-9CF3-F314189B44A4}" type="datetimeFigureOut">
               <a:rPr lang="en-US" smtClean="0"/>
-              <a:t>2/28/22</a:t>
+              <a:t>11/15/23</a:t>
             </a:fld>
             <a:endParaRPr lang="en-US"/>
           </a:p>
@@ -1758,7 +1758,7 @@
           <a:p>
             <a:fld id="{35ECD0B9-2EC5-1A48-9CF3-F314189B44A4}" type="datetimeFigureOut">
               <a:rPr lang="en-US" smtClean="0"/>
-              <a:t>2/28/22</a:t>
+              <a:t>11/15/23</a:t>
             </a:fld>
             <a:endParaRPr lang="en-US"/>
           </a:p>
@@ -1966,7 +1966,7 @@
           <a:p>
             <a:fld id="{35ECD0B9-2EC5-1A48-9CF3-F314189B44A4}" type="datetimeFigureOut">
               <a:rPr lang="en-US" smtClean="0"/>
-              <a:t>2/28/22</a:t>
+              <a:t>11/15/23</a:t>
             </a:fld>
             <a:endParaRPr lang="en-US"/>
           </a:p>
@@ -2392,7 +2392,7 @@
           <a:p>
             <a:fld id="{35ECD0B9-2EC5-1A48-9CF3-F314189B44A4}" type="datetimeFigureOut">
               <a:rPr lang="en-US" smtClean="0"/>
-              <a:t>2/28/22</a:t>
+              <a:t>11/15/23</a:t>
             </a:fld>
             <a:endParaRPr lang="en-US"/>
           </a:p>
@@ -2667,7 +2667,7 @@
           <a:p>
             <a:fld id="{35ECD0B9-2EC5-1A48-9CF3-F314189B44A4}" type="datetimeFigureOut">
               <a:rPr lang="en-US" smtClean="0"/>
-              <a:t>2/28/22</a:t>
+              <a:t>11/15/23</a:t>
             </a:fld>
             <a:endParaRPr lang="en-US"/>
           </a:p>
@@ -2932,7 +2932,7 @@
           <a:p>
             <a:fld id="{35ECD0B9-2EC5-1A48-9CF3-F314189B44A4}" type="datetimeFigureOut">
               <a:rPr lang="en-US" smtClean="0"/>
-              <a:t>2/28/22</a:t>
+              <a:t>11/15/23</a:t>
             </a:fld>
             <a:endParaRPr lang="en-US"/>
           </a:p>
@@ -3344,7 +3344,7 @@
           <a:p>
             <a:fld id="{35ECD0B9-2EC5-1A48-9CF3-F314189B44A4}" type="datetimeFigureOut">
               <a:rPr lang="en-US" smtClean="0"/>
-              <a:t>2/28/22</a:t>
+              <a:t>11/15/23</a:t>
             </a:fld>
             <a:endParaRPr lang="en-US"/>
           </a:p>
@@ -3485,7 +3485,7 @@
           <a:p>
             <a:fld id="{35ECD0B9-2EC5-1A48-9CF3-F314189B44A4}" type="datetimeFigureOut">
               <a:rPr lang="en-US" smtClean="0"/>
-              <a:t>2/28/22</a:t>
+              <a:t>11/15/23</a:t>
             </a:fld>
             <a:endParaRPr lang="en-US"/>
           </a:p>
@@ -3598,7 +3598,7 @@
           <a:p>
             <a:fld id="{35ECD0B9-2EC5-1A48-9CF3-F314189B44A4}" type="datetimeFigureOut">
               <a:rPr lang="en-US" smtClean="0"/>
-              <a:t>2/28/22</a:t>
+              <a:t>11/15/23</a:t>
             </a:fld>
             <a:endParaRPr lang="en-US"/>
           </a:p>
@@ -3909,7 +3909,7 @@
           <a:p>
             <a:fld id="{35ECD0B9-2EC5-1A48-9CF3-F314189B44A4}" type="datetimeFigureOut">
               <a:rPr lang="en-US" smtClean="0"/>
-              <a:t>2/28/22</a:t>
+              <a:t>11/15/23</a:t>
             </a:fld>
             <a:endParaRPr lang="en-US"/>
           </a:p>
@@ -4197,7 +4197,7 @@
           <a:p>
             <a:fld id="{35ECD0B9-2EC5-1A48-9CF3-F314189B44A4}" type="datetimeFigureOut">
               <a:rPr lang="en-US" smtClean="0"/>
-              <a:t>2/28/22</a:t>
+              <a:t>11/15/23</a:t>
             </a:fld>
             <a:endParaRPr lang="en-US"/>
           </a:p>
@@ -4438,7 +4438,7 @@
           <a:p>
             <a:fld id="{35ECD0B9-2EC5-1A48-9CF3-F314189B44A4}" type="datetimeFigureOut">
               <a:rPr lang="en-US" smtClean="0"/>
-              <a:t>2/28/22</a:t>
+              <a:t>11/15/23</a:t>
             </a:fld>
             <a:endParaRPr lang="en-US"/>
           </a:p>
